--- a/downloadables/BlazeMeter and Load Impact.pptx
+++ b/downloadables/BlazeMeter and Load Impact.pptx
@@ -8,9 +8,10 @@
     <p:sldId id="256" r:id="rId2"/>
     <p:sldId id="257" r:id="rId3"/>
     <p:sldId id="258" r:id="rId4"/>
-    <p:sldId id="261" r:id="rId5"/>
-    <p:sldId id="259" r:id="rId6"/>
-    <p:sldId id="260" r:id="rId7"/>
+    <p:sldId id="262" r:id="rId5"/>
+    <p:sldId id="261" r:id="rId6"/>
+    <p:sldId id="259" r:id="rId7"/>
+    <p:sldId id="260" r:id="rId8"/>
   </p:sldIdLst>
   <p:sldSz cx="12192000" cy="6858000"/>
   <p:notesSz cx="6858000" cy="9144000"/>
@@ -3445,6 +3446,845 @@
           <a:bodyPr/>
           <a:lstStyle/>
           <a:p>
+            <a:pPr algn="ctr"/>
+            <a:r>
+              <a:rPr lang="en-US" b="1" dirty="0" err="1">
+                <a:latin typeface="Garamond" panose="02020404030301010803" pitchFamily="18" charset="0"/>
+              </a:rPr>
+              <a:t>BlazeMeter</a:t>
+            </a:r>
+            <a:r>
+              <a:rPr lang="en-US" b="1" dirty="0">
+                <a:latin typeface="Garamond" panose="02020404030301010803" pitchFamily="18" charset="0"/>
+              </a:rPr>
+              <a:t> </a:t>
+            </a:r>
+            <a:r>
+              <a:rPr lang="en-US" b="1" dirty="0" smtClean="0">
+                <a:latin typeface="Garamond" panose="02020404030301010803" pitchFamily="18" charset="0"/>
+              </a:rPr>
+              <a:t>VS </a:t>
+            </a:r>
+            <a:r>
+              <a:rPr lang="en-US" b="1" dirty="0">
+                <a:latin typeface="Garamond" panose="02020404030301010803" pitchFamily="18" charset="0"/>
+              </a:rPr>
+              <a:t>Load Impact</a:t>
+            </a:r>
+            <a:endParaRPr lang="en-US" dirty="0"/>
+          </a:p>
+        </p:txBody>
+      </p:sp>
+      <p:graphicFrame>
+        <p:nvGraphicFramePr>
+          <p:cNvPr id="5" name="Content Placeholder 4"/>
+          <p:cNvGraphicFramePr>
+            <a:graphicFrameLocks noGrp="1"/>
+          </p:cNvGraphicFramePr>
+          <p:nvPr>
+            <p:ph idx="1"/>
+            <p:extLst>
+              <p:ext uri="{D42A27DB-BD31-4B8C-83A1-F6EECF244321}">
+                <p14:modId xmlns:p14="http://schemas.microsoft.com/office/powerpoint/2010/main" val="3608293943"/>
+              </p:ext>
+            </p:extLst>
+          </p:nvPr>
+        </p:nvGraphicFramePr>
+        <p:xfrm>
+          <a:off x="838200" y="1825625"/>
+          <a:ext cx="10515600" cy="3712290"/>
+        </p:xfrm>
+        <a:graphic>
+          <a:graphicData uri="http://schemas.openxmlformats.org/drawingml/2006/table">
+            <a:tbl>
+              <a:tblPr firstRow="1" bandRow="1">
+                <a:tableStyleId>{5C22544A-7EE6-4342-B048-85BDC9FD1C3A}</a:tableStyleId>
+              </a:tblPr>
+              <a:tblGrid>
+                <a:gridCol w="5257800"/>
+                <a:gridCol w="5257800"/>
+              </a:tblGrid>
+              <a:tr h="840302">
+                <a:tc>
+                  <a:txBody>
+                    <a:bodyPr/>
+                    <a:lstStyle/>
+                    <a:p>
+                      <a:pPr algn="ctr" fontAlgn="base"/>
+                      <a:r>
+                        <a:rPr lang="en-US" b="0" dirty="0">
+                          <a:solidFill>
+                            <a:sysClr val="windowText" lastClr="000000"/>
+                          </a:solidFill>
+                          <a:effectLst/>
+                          <a:latin typeface="inherit"/>
+                        </a:rPr>
+                        <a:t>Compatible with Apache </a:t>
+                      </a:r>
+                      <a:r>
+                        <a:rPr lang="en-US" b="0" dirty="0" err="1">
+                          <a:solidFill>
+                            <a:sysClr val="windowText" lastClr="000000"/>
+                          </a:solidFill>
+                          <a:effectLst/>
+                          <a:latin typeface="inherit"/>
+                        </a:rPr>
+                        <a:t>JMeter</a:t>
+                      </a:r>
+                      <a:r>
+                        <a:rPr lang="en-US" b="0" dirty="0">
+                          <a:solidFill>
+                            <a:sysClr val="windowText" lastClr="000000"/>
+                          </a:solidFill>
+                          <a:effectLst/>
+                          <a:latin typeface="inherit"/>
+                        </a:rPr>
+                        <a:t> </a:t>
+                      </a:r>
+                      <a:endParaRPr lang="en-US" b="0" dirty="0" smtClean="0">
+                        <a:solidFill>
+                          <a:sysClr val="windowText" lastClr="000000"/>
+                        </a:solidFill>
+                        <a:effectLst/>
+                        <a:latin typeface="inherit"/>
+                      </a:endParaRPr>
+                    </a:p>
+                    <a:p>
+                      <a:pPr algn="ctr" fontAlgn="base"/>
+                      <a:r>
+                        <a:rPr lang="en-US" b="0" dirty="0" smtClean="0">
+                          <a:solidFill>
+                            <a:sysClr val="windowText" lastClr="000000"/>
+                          </a:solidFill>
+                          <a:effectLst/>
+                          <a:latin typeface="inherit"/>
+                        </a:rPr>
+                        <a:t>(</a:t>
+                      </a:r>
+                      <a:r>
+                        <a:rPr lang="en-US" b="0" dirty="0">
+                          <a:solidFill>
+                            <a:sysClr val="windowText" lastClr="000000"/>
+                          </a:solidFill>
+                          <a:effectLst/>
+                          <a:latin typeface="inherit"/>
+                        </a:rPr>
+                        <a:t>the top open source load testing app</a:t>
+                      </a:r>
+                      <a:r>
+                        <a:rPr lang="en-US" b="0" dirty="0" smtClean="0">
+                          <a:solidFill>
+                            <a:sysClr val="windowText" lastClr="000000"/>
+                          </a:solidFill>
+                          <a:effectLst/>
+                          <a:latin typeface="inherit"/>
+                        </a:rPr>
+                        <a:t>)</a:t>
+                      </a:r>
+                    </a:p>
+                  </a:txBody>
+                  <a:tcPr anchor="ctr">
+                    <a:lnL w="12700" cap="flat" cmpd="sng" algn="ctr">
+                      <a:noFill/>
+                      <a:prstDash val="solid"/>
+                      <a:round/>
+                      <a:headEnd type="none" w="med" len="med"/>
+                      <a:tailEnd type="none" w="med" len="med"/>
+                    </a:lnL>
+                    <a:lnR w="12700" cap="flat" cmpd="sng" algn="ctr">
+                      <a:solidFill>
+                        <a:schemeClr val="tx1"/>
+                      </a:solidFill>
+                      <a:prstDash val="solid"/>
+                      <a:round/>
+                      <a:headEnd type="none" w="med" len="med"/>
+                      <a:tailEnd type="none" w="med" len="med"/>
+                    </a:lnR>
+                    <a:lnT w="12700" cap="flat" cmpd="sng" algn="ctr">
+                      <a:noFill/>
+                      <a:prstDash val="solid"/>
+                      <a:round/>
+                      <a:headEnd type="none" w="med" len="med"/>
+                      <a:tailEnd type="none" w="med" len="med"/>
+                    </a:lnT>
+                    <a:lnB w="12700" cap="flat" cmpd="sng" algn="ctr">
+                      <a:solidFill>
+                        <a:schemeClr val="tx1"/>
+                      </a:solidFill>
+                      <a:prstDash val="solid"/>
+                      <a:round/>
+                      <a:headEnd type="none" w="med" len="med"/>
+                      <a:tailEnd type="none" w="med" len="med"/>
+                    </a:lnB>
+                    <a:lnTlToBr w="12700" cmpd="sng">
+                      <a:noFill/>
+                      <a:prstDash val="solid"/>
+                    </a:lnTlToBr>
+                    <a:lnBlToTr w="12700" cmpd="sng">
+                      <a:noFill/>
+                      <a:prstDash val="solid"/>
+                    </a:lnBlToTr>
+                    <a:noFill/>
+                  </a:tcPr>
+                </a:tc>
+                <a:tc>
+                  <a:txBody>
+                    <a:bodyPr/>
+                    <a:lstStyle/>
+                    <a:p>
+                      <a:pPr algn="ctr" fontAlgn="base"/>
+                      <a:r>
+                        <a:rPr lang="en-US" b="0" dirty="0">
+                          <a:solidFill>
+                            <a:sysClr val="windowText" lastClr="000000"/>
+                          </a:solidFill>
+                          <a:effectLst/>
+                          <a:latin typeface="inherit"/>
+                        </a:rPr>
+                        <a:t>User can input customized data stores</a:t>
+                      </a:r>
+                    </a:p>
+                  </a:txBody>
+                  <a:tcPr anchor="ctr">
+                    <a:lnL w="12700" cap="flat" cmpd="sng" algn="ctr">
+                      <a:solidFill>
+                        <a:schemeClr val="tx1"/>
+                      </a:solidFill>
+                      <a:prstDash val="solid"/>
+                      <a:round/>
+                      <a:headEnd type="none" w="med" len="med"/>
+                      <a:tailEnd type="none" w="med" len="med"/>
+                    </a:lnL>
+                    <a:lnR w="12700" cap="flat" cmpd="sng" algn="ctr">
+                      <a:noFill/>
+                      <a:prstDash val="solid"/>
+                      <a:round/>
+                      <a:headEnd type="none" w="med" len="med"/>
+                      <a:tailEnd type="none" w="med" len="med"/>
+                    </a:lnR>
+                    <a:lnT w="12700" cap="flat" cmpd="sng" algn="ctr">
+                      <a:noFill/>
+                      <a:prstDash val="solid"/>
+                      <a:round/>
+                      <a:headEnd type="none" w="med" len="med"/>
+                      <a:tailEnd type="none" w="med" len="med"/>
+                    </a:lnT>
+                    <a:lnB w="12700" cap="flat" cmpd="sng" algn="ctr">
+                      <a:solidFill>
+                        <a:schemeClr val="tx1"/>
+                      </a:solidFill>
+                      <a:prstDash val="solid"/>
+                      <a:round/>
+                      <a:headEnd type="none" w="med" len="med"/>
+                      <a:tailEnd type="none" w="med" len="med"/>
+                    </a:lnB>
+                    <a:lnTlToBr w="12700" cmpd="sng">
+                      <a:noFill/>
+                      <a:prstDash val="solid"/>
+                    </a:lnTlToBr>
+                    <a:lnBlToTr w="12700" cmpd="sng">
+                      <a:noFill/>
+                      <a:prstDash val="solid"/>
+                    </a:lnBlToTr>
+                    <a:noFill/>
+                  </a:tcPr>
+                </a:tc>
+              </a:tr>
+              <a:tr h="540912">
+                <a:tc>
+                  <a:txBody>
+                    <a:bodyPr/>
+                    <a:lstStyle/>
+                    <a:p>
+                      <a:pPr algn="ctr" fontAlgn="base"/>
+                      <a:r>
+                        <a:rPr lang="en-US" b="0" dirty="0">
+                          <a:solidFill>
+                            <a:sysClr val="windowText" lastClr="000000"/>
+                          </a:solidFill>
+                          <a:effectLst/>
+                          <a:latin typeface="inherit"/>
+                        </a:rPr>
+                        <a:t>Can see reports in </a:t>
+                      </a:r>
+                      <a:r>
+                        <a:rPr lang="en-US" b="0" dirty="0" smtClean="0">
+                          <a:solidFill>
+                            <a:sysClr val="windowText" lastClr="000000"/>
+                          </a:solidFill>
+                          <a:effectLst/>
+                          <a:latin typeface="inherit"/>
+                        </a:rPr>
+                        <a:t>real-time</a:t>
+                      </a:r>
+                    </a:p>
+                  </a:txBody>
+                  <a:tcPr anchor="ctr">
+                    <a:lnL w="12700" cap="flat" cmpd="sng" algn="ctr">
+                      <a:noFill/>
+                      <a:prstDash val="solid"/>
+                      <a:round/>
+                      <a:headEnd type="none" w="med" len="med"/>
+                      <a:tailEnd type="none" w="med" len="med"/>
+                    </a:lnL>
+                    <a:lnR w="12700" cap="flat" cmpd="sng" algn="ctr">
+                      <a:solidFill>
+                        <a:schemeClr val="tx1"/>
+                      </a:solidFill>
+                      <a:prstDash val="solid"/>
+                      <a:round/>
+                      <a:headEnd type="none" w="med" len="med"/>
+                      <a:tailEnd type="none" w="med" len="med"/>
+                    </a:lnR>
+                    <a:lnT w="12700" cap="flat" cmpd="sng" algn="ctr">
+                      <a:solidFill>
+                        <a:schemeClr val="tx1"/>
+                      </a:solidFill>
+                      <a:prstDash val="solid"/>
+                      <a:round/>
+                      <a:headEnd type="none" w="med" len="med"/>
+                      <a:tailEnd type="none" w="med" len="med"/>
+                    </a:lnT>
+                    <a:lnB w="12700" cap="flat" cmpd="sng" algn="ctr">
+                      <a:solidFill>
+                        <a:schemeClr val="tx1"/>
+                      </a:solidFill>
+                      <a:prstDash val="solid"/>
+                      <a:round/>
+                      <a:headEnd type="none" w="med" len="med"/>
+                      <a:tailEnd type="none" w="med" len="med"/>
+                    </a:lnB>
+                    <a:lnTlToBr w="12700" cmpd="sng">
+                      <a:noFill/>
+                      <a:prstDash val="solid"/>
+                    </a:lnTlToBr>
+                    <a:lnBlToTr w="12700" cmpd="sng">
+                      <a:noFill/>
+                      <a:prstDash val="solid"/>
+                    </a:lnBlToTr>
+                    <a:noFill/>
+                  </a:tcPr>
+                </a:tc>
+                <a:tc>
+                  <a:txBody>
+                    <a:bodyPr/>
+                    <a:lstStyle/>
+                    <a:p>
+                      <a:pPr algn="ctr" fontAlgn="base"/>
+                      <a:r>
+                        <a:rPr lang="en-US" b="0" dirty="0">
+                          <a:solidFill>
+                            <a:sysClr val="windowText" lastClr="000000"/>
+                          </a:solidFill>
+                          <a:effectLst/>
+                          <a:latin typeface="inherit"/>
+                        </a:rPr>
+                        <a:t>See reports only when the test is finished</a:t>
+                      </a:r>
+                    </a:p>
+                  </a:txBody>
+                  <a:tcPr anchor="ctr">
+                    <a:lnL w="12700" cap="flat" cmpd="sng" algn="ctr">
+                      <a:solidFill>
+                        <a:schemeClr val="tx1"/>
+                      </a:solidFill>
+                      <a:prstDash val="solid"/>
+                      <a:round/>
+                      <a:headEnd type="none" w="med" len="med"/>
+                      <a:tailEnd type="none" w="med" len="med"/>
+                    </a:lnL>
+                    <a:lnR w="12700" cap="flat" cmpd="sng" algn="ctr">
+                      <a:noFill/>
+                      <a:prstDash val="solid"/>
+                      <a:round/>
+                      <a:headEnd type="none" w="med" len="med"/>
+                      <a:tailEnd type="none" w="med" len="med"/>
+                    </a:lnR>
+                    <a:lnT w="12700" cap="flat" cmpd="sng" algn="ctr">
+                      <a:solidFill>
+                        <a:schemeClr val="tx1"/>
+                      </a:solidFill>
+                      <a:prstDash val="solid"/>
+                      <a:round/>
+                      <a:headEnd type="none" w="med" len="med"/>
+                      <a:tailEnd type="none" w="med" len="med"/>
+                    </a:lnT>
+                    <a:lnB w="12700" cap="flat" cmpd="sng" algn="ctr">
+                      <a:solidFill>
+                        <a:schemeClr val="tx1"/>
+                      </a:solidFill>
+                      <a:prstDash val="solid"/>
+                      <a:round/>
+                      <a:headEnd type="none" w="med" len="med"/>
+                      <a:tailEnd type="none" w="med" len="med"/>
+                    </a:lnB>
+                    <a:lnTlToBr w="12700" cmpd="sng">
+                      <a:noFill/>
+                      <a:prstDash val="solid"/>
+                    </a:lnTlToBr>
+                    <a:lnBlToTr w="12700" cmpd="sng">
+                      <a:noFill/>
+                      <a:prstDash val="solid"/>
+                    </a:lnBlToTr>
+                    <a:noFill/>
+                  </a:tcPr>
+                </a:tc>
+              </a:tr>
+              <a:tr h="772733">
+                <a:tc>
+                  <a:txBody>
+                    <a:bodyPr/>
+                    <a:lstStyle/>
+                    <a:p>
+                      <a:pPr algn="ctr" fontAlgn="base"/>
+                      <a:r>
+                        <a:rPr lang="en-US" b="0" dirty="0">
+                          <a:solidFill>
+                            <a:sysClr val="windowText" lastClr="000000"/>
+                          </a:solidFill>
+                          <a:effectLst/>
+                          <a:latin typeface="inherit"/>
+                        </a:rPr>
+                        <a:t>Test different URLs </a:t>
+                      </a:r>
+                      <a:r>
+                        <a:rPr lang="en-US" b="0" dirty="0" smtClean="0">
+                          <a:solidFill>
+                            <a:sysClr val="windowText" lastClr="000000"/>
+                          </a:solidFill>
+                          <a:effectLst/>
+                          <a:latin typeface="inherit"/>
+                        </a:rPr>
+                        <a:t>simultaneously</a:t>
+                      </a:r>
+                    </a:p>
+                  </a:txBody>
+                  <a:tcPr anchor="ctr">
+                    <a:lnL w="12700" cap="flat" cmpd="sng" algn="ctr">
+                      <a:noFill/>
+                      <a:prstDash val="solid"/>
+                      <a:round/>
+                      <a:headEnd type="none" w="med" len="med"/>
+                      <a:tailEnd type="none" w="med" len="med"/>
+                    </a:lnL>
+                    <a:lnR w="12700" cap="flat" cmpd="sng" algn="ctr">
+                      <a:solidFill>
+                        <a:schemeClr val="tx1"/>
+                      </a:solidFill>
+                      <a:prstDash val="solid"/>
+                      <a:round/>
+                      <a:headEnd type="none" w="med" len="med"/>
+                      <a:tailEnd type="none" w="med" len="med"/>
+                    </a:lnR>
+                    <a:lnT w="12700" cap="flat" cmpd="sng" algn="ctr">
+                      <a:solidFill>
+                        <a:schemeClr val="tx1"/>
+                      </a:solidFill>
+                      <a:prstDash val="solid"/>
+                      <a:round/>
+                      <a:headEnd type="none" w="med" len="med"/>
+                      <a:tailEnd type="none" w="med" len="med"/>
+                    </a:lnT>
+                    <a:lnB w="12700" cap="flat" cmpd="sng" algn="ctr">
+                      <a:solidFill>
+                        <a:schemeClr val="tx1"/>
+                      </a:solidFill>
+                      <a:prstDash val="solid"/>
+                      <a:round/>
+                      <a:headEnd type="none" w="med" len="med"/>
+                      <a:tailEnd type="none" w="med" len="med"/>
+                    </a:lnB>
+                    <a:lnTlToBr w="12700" cmpd="sng">
+                      <a:noFill/>
+                      <a:prstDash val="solid"/>
+                    </a:lnTlToBr>
+                    <a:lnBlToTr w="12700" cmpd="sng">
+                      <a:noFill/>
+                      <a:prstDash val="solid"/>
+                    </a:lnBlToTr>
+                    <a:noFill/>
+                  </a:tcPr>
+                </a:tc>
+                <a:tc>
+                  <a:txBody>
+                    <a:bodyPr/>
+                    <a:lstStyle/>
+                    <a:p>
+                      <a:pPr algn="ctr" fontAlgn="base"/>
+                      <a:r>
+                        <a:rPr lang="en-US" b="0" dirty="0">
+                          <a:solidFill>
+                            <a:sysClr val="windowText" lastClr="000000"/>
+                          </a:solidFill>
+                          <a:effectLst/>
+                          <a:latin typeface="inherit"/>
+                        </a:rPr>
+                        <a:t>Can have 10 different locations of virtual users in a single test</a:t>
+                      </a:r>
+                    </a:p>
+                  </a:txBody>
+                  <a:tcPr anchor="ctr">
+                    <a:lnL w="12700" cap="flat" cmpd="sng" algn="ctr">
+                      <a:solidFill>
+                        <a:schemeClr val="tx1"/>
+                      </a:solidFill>
+                      <a:prstDash val="solid"/>
+                      <a:round/>
+                      <a:headEnd type="none" w="med" len="med"/>
+                      <a:tailEnd type="none" w="med" len="med"/>
+                    </a:lnL>
+                    <a:lnR w="12700" cap="flat" cmpd="sng" algn="ctr">
+                      <a:noFill/>
+                      <a:prstDash val="solid"/>
+                      <a:round/>
+                      <a:headEnd type="none" w="med" len="med"/>
+                      <a:tailEnd type="none" w="med" len="med"/>
+                    </a:lnR>
+                    <a:lnT w="12700" cap="flat" cmpd="sng" algn="ctr">
+                      <a:solidFill>
+                        <a:schemeClr val="tx1"/>
+                      </a:solidFill>
+                      <a:prstDash val="solid"/>
+                      <a:round/>
+                      <a:headEnd type="none" w="med" len="med"/>
+                      <a:tailEnd type="none" w="med" len="med"/>
+                    </a:lnT>
+                    <a:lnB w="12700" cap="flat" cmpd="sng" algn="ctr">
+                      <a:solidFill>
+                        <a:schemeClr val="tx1"/>
+                      </a:solidFill>
+                      <a:prstDash val="solid"/>
+                      <a:round/>
+                      <a:headEnd type="none" w="med" len="med"/>
+                      <a:tailEnd type="none" w="med" len="med"/>
+                    </a:lnB>
+                    <a:lnTlToBr w="12700" cmpd="sng">
+                      <a:noFill/>
+                      <a:prstDash val="solid"/>
+                    </a:lnTlToBr>
+                    <a:lnBlToTr w="12700" cmpd="sng">
+                      <a:noFill/>
+                      <a:prstDash val="solid"/>
+                    </a:lnBlToTr>
+                    <a:noFill/>
+                  </a:tcPr>
+                </a:tc>
+              </a:tr>
+              <a:tr h="785611">
+                <a:tc>
+                  <a:txBody>
+                    <a:bodyPr/>
+                    <a:lstStyle/>
+                    <a:p>
+                      <a:pPr algn="ctr" fontAlgn="base"/>
+                      <a:r>
+                        <a:rPr lang="en-US" b="0" dirty="0">
+                          <a:solidFill>
+                            <a:sysClr val="windowText" lastClr="000000"/>
+                          </a:solidFill>
+                          <a:effectLst/>
+                          <a:latin typeface="inherit"/>
+                        </a:rPr>
+                        <a:t>Can see in seconds, minutes, min, max of response </a:t>
+                      </a:r>
+                      <a:r>
+                        <a:rPr lang="en-US" b="0" dirty="0" smtClean="0">
+                          <a:solidFill>
+                            <a:sysClr val="windowText" lastClr="000000"/>
+                          </a:solidFill>
+                          <a:effectLst/>
+                          <a:latin typeface="inherit"/>
+                        </a:rPr>
+                        <a:t>time</a:t>
+                      </a:r>
+                    </a:p>
+                  </a:txBody>
+                  <a:tcPr anchor="ctr">
+                    <a:lnL w="12700" cap="flat" cmpd="sng" algn="ctr">
+                      <a:noFill/>
+                      <a:prstDash val="solid"/>
+                      <a:round/>
+                      <a:headEnd type="none" w="med" len="med"/>
+                      <a:tailEnd type="none" w="med" len="med"/>
+                    </a:lnL>
+                    <a:lnR w="12700" cap="flat" cmpd="sng" algn="ctr">
+                      <a:solidFill>
+                        <a:schemeClr val="tx1"/>
+                      </a:solidFill>
+                      <a:prstDash val="solid"/>
+                      <a:round/>
+                      <a:headEnd type="none" w="med" len="med"/>
+                      <a:tailEnd type="none" w="med" len="med"/>
+                    </a:lnR>
+                    <a:lnT w="12700" cap="flat" cmpd="sng" algn="ctr">
+                      <a:solidFill>
+                        <a:schemeClr val="tx1"/>
+                      </a:solidFill>
+                      <a:prstDash val="solid"/>
+                      <a:round/>
+                      <a:headEnd type="none" w="med" len="med"/>
+                      <a:tailEnd type="none" w="med" len="med"/>
+                    </a:lnT>
+                    <a:lnB w="12700" cap="flat" cmpd="sng" algn="ctr">
+                      <a:solidFill>
+                        <a:schemeClr val="tx1"/>
+                      </a:solidFill>
+                      <a:prstDash val="solid"/>
+                      <a:round/>
+                      <a:headEnd type="none" w="med" len="med"/>
+                      <a:tailEnd type="none" w="med" len="med"/>
+                    </a:lnB>
+                    <a:lnTlToBr w="12700" cmpd="sng">
+                      <a:noFill/>
+                      <a:prstDash val="solid"/>
+                    </a:lnTlToBr>
+                    <a:lnBlToTr w="12700" cmpd="sng">
+                      <a:noFill/>
+                      <a:prstDash val="solid"/>
+                    </a:lnBlToTr>
+                    <a:noFill/>
+                  </a:tcPr>
+                </a:tc>
+                <a:tc>
+                  <a:txBody>
+                    <a:bodyPr/>
+                    <a:lstStyle/>
+                    <a:p>
+                      <a:pPr algn="ctr" fontAlgn="base"/>
+                      <a:r>
+                        <a:rPr lang="en-US" b="0" dirty="0">
+                          <a:solidFill>
+                            <a:sysClr val="windowText" lastClr="000000"/>
+                          </a:solidFill>
+                          <a:effectLst/>
+                          <a:latin typeface="inherit"/>
+                        </a:rPr>
+                        <a:t>Can schedule tests</a:t>
+                      </a:r>
+                    </a:p>
+                  </a:txBody>
+                  <a:tcPr anchor="ctr">
+                    <a:lnL w="12700" cap="flat" cmpd="sng" algn="ctr">
+                      <a:solidFill>
+                        <a:schemeClr val="tx1"/>
+                      </a:solidFill>
+                      <a:prstDash val="solid"/>
+                      <a:round/>
+                      <a:headEnd type="none" w="med" len="med"/>
+                      <a:tailEnd type="none" w="med" len="med"/>
+                    </a:lnL>
+                    <a:lnR w="12700" cap="flat" cmpd="sng" algn="ctr">
+                      <a:noFill/>
+                      <a:prstDash val="solid"/>
+                      <a:round/>
+                      <a:headEnd type="none" w="med" len="med"/>
+                      <a:tailEnd type="none" w="med" len="med"/>
+                    </a:lnR>
+                    <a:lnT w="12700" cap="flat" cmpd="sng" algn="ctr">
+                      <a:solidFill>
+                        <a:schemeClr val="tx1"/>
+                      </a:solidFill>
+                      <a:prstDash val="solid"/>
+                      <a:round/>
+                      <a:headEnd type="none" w="med" len="med"/>
+                      <a:tailEnd type="none" w="med" len="med"/>
+                    </a:lnT>
+                    <a:lnB w="12700" cap="flat" cmpd="sng" algn="ctr">
+                      <a:solidFill>
+                        <a:schemeClr val="tx1"/>
+                      </a:solidFill>
+                      <a:prstDash val="solid"/>
+                      <a:round/>
+                      <a:headEnd type="none" w="med" len="med"/>
+                      <a:tailEnd type="none" w="med" len="med"/>
+                    </a:lnB>
+                    <a:lnTlToBr w="12700" cmpd="sng">
+                      <a:noFill/>
+                      <a:prstDash val="solid"/>
+                    </a:lnTlToBr>
+                    <a:lnBlToTr w="12700" cmpd="sng">
+                      <a:noFill/>
+                      <a:prstDash val="solid"/>
+                    </a:lnBlToTr>
+                    <a:noFill/>
+                  </a:tcPr>
+                </a:tc>
+              </a:tr>
+              <a:tr h="772732">
+                <a:tc>
+                  <a:txBody>
+                    <a:bodyPr/>
+                    <a:lstStyle/>
+                    <a:p>
+                      <a:pPr algn="ctr" fontAlgn="base"/>
+                      <a:r>
+                        <a:rPr lang="en-US" b="0">
+                          <a:solidFill>
+                            <a:sysClr val="windowText" lastClr="000000"/>
+                          </a:solidFill>
+                          <a:effectLst/>
+                          <a:latin typeface="inherit"/>
+                        </a:rPr>
+                        <a:t>Can compare up to 5 different reports simultaneously</a:t>
+                      </a:r>
+                    </a:p>
+                  </a:txBody>
+                  <a:tcPr anchor="ctr">
+                    <a:lnL w="12700" cap="flat" cmpd="sng" algn="ctr">
+                      <a:noFill/>
+                      <a:prstDash val="solid"/>
+                      <a:round/>
+                      <a:headEnd type="none" w="med" len="med"/>
+                      <a:tailEnd type="none" w="med" len="med"/>
+                    </a:lnL>
+                    <a:lnR w="12700" cap="flat" cmpd="sng" algn="ctr">
+                      <a:solidFill>
+                        <a:schemeClr val="tx1"/>
+                      </a:solidFill>
+                      <a:prstDash val="solid"/>
+                      <a:round/>
+                      <a:headEnd type="none" w="med" len="med"/>
+                      <a:tailEnd type="none" w="med" len="med"/>
+                    </a:lnR>
+                    <a:lnT w="12700" cap="flat" cmpd="sng" algn="ctr">
+                      <a:solidFill>
+                        <a:schemeClr val="tx1"/>
+                      </a:solidFill>
+                      <a:prstDash val="solid"/>
+                      <a:round/>
+                      <a:headEnd type="none" w="med" len="med"/>
+                      <a:tailEnd type="none" w="med" len="med"/>
+                    </a:lnT>
+                    <a:lnB w="12700" cap="flat" cmpd="sng" algn="ctr">
+                      <a:noFill/>
+                      <a:prstDash val="solid"/>
+                      <a:round/>
+                      <a:headEnd type="none" w="med" len="med"/>
+                      <a:tailEnd type="none" w="med" len="med"/>
+                    </a:lnB>
+                    <a:lnTlToBr w="12700" cmpd="sng">
+                      <a:noFill/>
+                      <a:prstDash val="solid"/>
+                    </a:lnTlToBr>
+                    <a:lnBlToTr w="12700" cmpd="sng">
+                      <a:noFill/>
+                      <a:prstDash val="solid"/>
+                    </a:lnBlToTr>
+                    <a:noFill/>
+                  </a:tcPr>
+                </a:tc>
+                <a:tc>
+                  <a:txBody>
+                    <a:bodyPr/>
+                    <a:lstStyle/>
+                    <a:p>
+                      <a:pPr algn="ctr" fontAlgn="base"/>
+                      <a:r>
+                        <a:rPr lang="en-US" b="0" dirty="0">
+                          <a:solidFill>
+                            <a:sysClr val="windowText" lastClr="000000"/>
+                          </a:solidFill>
+                          <a:effectLst/>
+                          <a:latin typeface="inherit"/>
+                        </a:rPr>
+                        <a:t>Have a report per test</a:t>
+                      </a:r>
+                    </a:p>
+                  </a:txBody>
+                  <a:tcPr anchor="ctr">
+                    <a:lnL w="12700" cap="flat" cmpd="sng" algn="ctr">
+                      <a:solidFill>
+                        <a:schemeClr val="tx1"/>
+                      </a:solidFill>
+                      <a:prstDash val="solid"/>
+                      <a:round/>
+                      <a:headEnd type="none" w="med" len="med"/>
+                      <a:tailEnd type="none" w="med" len="med"/>
+                    </a:lnL>
+                    <a:lnR w="12700" cap="flat" cmpd="sng" algn="ctr">
+                      <a:noFill/>
+                      <a:prstDash val="solid"/>
+                      <a:round/>
+                      <a:headEnd type="none" w="med" len="med"/>
+                      <a:tailEnd type="none" w="med" len="med"/>
+                    </a:lnR>
+                    <a:lnT w="12700" cap="flat" cmpd="sng" algn="ctr">
+                      <a:solidFill>
+                        <a:schemeClr val="tx1"/>
+                      </a:solidFill>
+                      <a:prstDash val="solid"/>
+                      <a:round/>
+                      <a:headEnd type="none" w="med" len="med"/>
+                      <a:tailEnd type="none" w="med" len="med"/>
+                    </a:lnT>
+                    <a:lnB w="12700" cap="flat" cmpd="sng" algn="ctr">
+                      <a:noFill/>
+                      <a:prstDash val="solid"/>
+                      <a:round/>
+                      <a:headEnd type="none" w="med" len="med"/>
+                      <a:tailEnd type="none" w="med" len="med"/>
+                    </a:lnB>
+                    <a:lnTlToBr w="12700" cmpd="sng">
+                      <a:noFill/>
+                      <a:prstDash val="solid"/>
+                    </a:lnTlToBr>
+                    <a:lnBlToTr w="12700" cmpd="sng">
+                      <a:noFill/>
+                      <a:prstDash val="solid"/>
+                    </a:lnBlToTr>
+                    <a:noFill/>
+                  </a:tcPr>
+                </a:tc>
+              </a:tr>
+            </a:tbl>
+          </a:graphicData>
+        </a:graphic>
+      </p:graphicFrame>
+    </p:spTree>
+    <p:extLst>
+      <p:ext uri="{BB962C8B-B14F-4D97-AF65-F5344CB8AC3E}">
+        <p14:creationId xmlns:p14="http://schemas.microsoft.com/office/powerpoint/2010/main" val="4124559423"/>
+      </p:ext>
+    </p:extLst>
+  </p:cSld>
+  <p:clrMapOvr>
+    <a:masterClrMapping/>
+  </p:clrMapOvr>
+</p:sld>
+</file>
+
+<file path=ppt/slides/slide5.xml><?xml version="1.0" encoding="utf-8"?>
+<p:sld xmlns:a="http://schemas.openxmlformats.org/drawingml/2006/main" xmlns:r="http://schemas.openxmlformats.org/officeDocument/2006/relationships" xmlns:p="http://schemas.openxmlformats.org/presentationml/2006/main">
+  <p:cSld>
+    <p:spTree>
+      <p:nvGrpSpPr>
+        <p:cNvPr id="1" name=""/>
+        <p:cNvGrpSpPr/>
+        <p:nvPr/>
+      </p:nvGrpSpPr>
+      <p:grpSpPr>
+        <a:xfrm>
+          <a:off x="0" y="0"/>
+          <a:ext cx="0" cy="0"/>
+          <a:chOff x="0" y="0"/>
+          <a:chExt cx="0" cy="0"/>
+        </a:xfrm>
+      </p:grpSpPr>
+      <p:sp>
+        <p:nvSpPr>
+          <p:cNvPr id="2" name="Title 1"/>
+          <p:cNvSpPr>
+            <a:spLocks noGrp="1"/>
+          </p:cNvSpPr>
+          <p:nvPr>
+            <p:ph type="title"/>
+          </p:nvPr>
+        </p:nvSpPr>
+        <p:spPr/>
+        <p:txBody>
+          <a:bodyPr/>
+          <a:lstStyle/>
+          <a:p>
             <a:endParaRPr lang="en-US"/>
           </a:p>
         </p:txBody>
@@ -3491,7 +4331,7 @@
 </p:sld>
 </file>
 
-<file path=ppt/slides/slide5.xml><?xml version="1.0" encoding="utf-8"?>
+<file path=ppt/slides/slide6.xml><?xml version="1.0" encoding="utf-8"?>
 <p:sld xmlns:a="http://schemas.openxmlformats.org/drawingml/2006/main" xmlns:r="http://schemas.openxmlformats.org/officeDocument/2006/relationships" xmlns:p="http://schemas.openxmlformats.org/presentationml/2006/main">
   <p:cSld>
     <p:spTree>
@@ -3634,7 +4474,7 @@
 </p:sld>
 </file>
 
-<file path=ppt/slides/slide6.xml><?xml version="1.0" encoding="utf-8"?>
+<file path=ppt/slides/slide7.xml><?xml version="1.0" encoding="utf-8"?>
 <p:sld xmlns:a="http://schemas.openxmlformats.org/drawingml/2006/main" xmlns:r="http://schemas.openxmlformats.org/officeDocument/2006/relationships" xmlns:p="http://schemas.openxmlformats.org/presentationml/2006/main">
   <p:cSld>
     <p:spTree>

--- a/downloadables/BlazeMeter and Load Impact.pptx
+++ b/downloadables/BlazeMeter and Load Impact.pptx
@@ -8,8 +8,8 @@
     <p:sldId id="256" r:id="rId2"/>
     <p:sldId id="257" r:id="rId3"/>
     <p:sldId id="258" r:id="rId4"/>
-    <p:sldId id="262" r:id="rId5"/>
-    <p:sldId id="261" r:id="rId6"/>
+    <p:sldId id="261" r:id="rId5"/>
+    <p:sldId id="262" r:id="rId6"/>
     <p:sldId id="259" r:id="rId7"/>
     <p:sldId id="260" r:id="rId8"/>
   </p:sldIdLst>
@@ -249,7 +249,7 @@
           <a:p>
             <a:fld id="{0BBA2940-DA3B-4120-A998-70BFF59BF1C1}" type="datetimeFigureOut">
               <a:rPr lang="en-US" smtClean="0"/>
-              <a:t>2/12/2016</a:t>
+              <a:t>2/13/2016</a:t>
             </a:fld>
             <a:endParaRPr lang="en-US"/>
           </a:p>
@@ -419,7 +419,7 @@
           <a:p>
             <a:fld id="{0BBA2940-DA3B-4120-A998-70BFF59BF1C1}" type="datetimeFigureOut">
               <a:rPr lang="en-US" smtClean="0"/>
-              <a:t>2/12/2016</a:t>
+              <a:t>2/13/2016</a:t>
             </a:fld>
             <a:endParaRPr lang="en-US"/>
           </a:p>
@@ -599,7 +599,7 @@
           <a:p>
             <a:fld id="{0BBA2940-DA3B-4120-A998-70BFF59BF1C1}" type="datetimeFigureOut">
               <a:rPr lang="en-US" smtClean="0"/>
-              <a:t>2/12/2016</a:t>
+              <a:t>2/13/2016</a:t>
             </a:fld>
             <a:endParaRPr lang="en-US"/>
           </a:p>
@@ -769,7 +769,7 @@
           <a:p>
             <a:fld id="{0BBA2940-DA3B-4120-A998-70BFF59BF1C1}" type="datetimeFigureOut">
               <a:rPr lang="en-US" smtClean="0"/>
-              <a:t>2/12/2016</a:t>
+              <a:t>2/13/2016</a:t>
             </a:fld>
             <a:endParaRPr lang="en-US"/>
           </a:p>
@@ -1015,7 +1015,7 @@
           <a:p>
             <a:fld id="{0BBA2940-DA3B-4120-A998-70BFF59BF1C1}" type="datetimeFigureOut">
               <a:rPr lang="en-US" smtClean="0"/>
-              <a:t>2/12/2016</a:t>
+              <a:t>2/13/2016</a:t>
             </a:fld>
             <a:endParaRPr lang="en-US"/>
           </a:p>
@@ -1247,7 +1247,7 @@
           <a:p>
             <a:fld id="{0BBA2940-DA3B-4120-A998-70BFF59BF1C1}" type="datetimeFigureOut">
               <a:rPr lang="en-US" smtClean="0"/>
-              <a:t>2/12/2016</a:t>
+              <a:t>2/13/2016</a:t>
             </a:fld>
             <a:endParaRPr lang="en-US"/>
           </a:p>
@@ -1614,7 +1614,7 @@
           <a:p>
             <a:fld id="{0BBA2940-DA3B-4120-A998-70BFF59BF1C1}" type="datetimeFigureOut">
               <a:rPr lang="en-US" smtClean="0"/>
-              <a:t>2/12/2016</a:t>
+              <a:t>2/13/2016</a:t>
             </a:fld>
             <a:endParaRPr lang="en-US"/>
           </a:p>
@@ -1732,7 +1732,7 @@
           <a:p>
             <a:fld id="{0BBA2940-DA3B-4120-A998-70BFF59BF1C1}" type="datetimeFigureOut">
               <a:rPr lang="en-US" smtClean="0"/>
-              <a:t>2/12/2016</a:t>
+              <a:t>2/13/2016</a:t>
             </a:fld>
             <a:endParaRPr lang="en-US"/>
           </a:p>
@@ -1827,7 +1827,7 @@
           <a:p>
             <a:fld id="{0BBA2940-DA3B-4120-A998-70BFF59BF1C1}" type="datetimeFigureOut">
               <a:rPr lang="en-US" smtClean="0"/>
-              <a:t>2/12/2016</a:t>
+              <a:t>2/13/2016</a:t>
             </a:fld>
             <a:endParaRPr lang="en-US"/>
           </a:p>
@@ -2104,7 +2104,7 @@
           <a:p>
             <a:fld id="{0BBA2940-DA3B-4120-A998-70BFF59BF1C1}" type="datetimeFigureOut">
               <a:rPr lang="en-US" smtClean="0"/>
-              <a:t>2/12/2016</a:t>
+              <a:t>2/13/2016</a:t>
             </a:fld>
             <a:endParaRPr lang="en-US"/>
           </a:p>
@@ -2357,7 +2357,7 @@
           <a:p>
             <a:fld id="{0BBA2940-DA3B-4120-A998-70BFF59BF1C1}" type="datetimeFigureOut">
               <a:rPr lang="en-US" smtClean="0"/>
-              <a:t>2/12/2016</a:t>
+              <a:t>2/13/2016</a:t>
             </a:fld>
             <a:endParaRPr lang="en-US"/>
           </a:p>
@@ -2570,7 +2570,7 @@
           <a:p>
             <a:fld id="{0BBA2940-DA3B-4120-A998-70BFF59BF1C1}" type="datetimeFigureOut">
               <a:rPr lang="en-US" smtClean="0"/>
-              <a:t>2/12/2016</a:t>
+              <a:t>2/13/2016</a:t>
             </a:fld>
             <a:endParaRPr lang="en-US"/>
           </a:p>
@@ -3446,6 +3446,84 @@
           <a:bodyPr/>
           <a:lstStyle/>
           <a:p>
+            <a:endParaRPr lang="en-US"/>
+          </a:p>
+        </p:txBody>
+      </p:sp>
+      <p:pic>
+        <p:nvPicPr>
+          <p:cNvPr id="4" name="Content Placeholder 3"/>
+          <p:cNvPicPr>
+            <a:picLocks noGrp="1" noChangeAspect="1"/>
+          </p:cNvPicPr>
+          <p:nvPr>
+            <p:ph idx="1"/>
+          </p:nvPr>
+        </p:nvPicPr>
+        <p:blipFill>
+          <a:blip r:embed="rId2">
+            <a:extLst>
+              <a:ext uri="{28A0092B-C50C-407E-A947-70E740481C1C}">
+                <a14:useLocalDpi xmlns:a14="http://schemas.microsoft.com/office/drawing/2010/main" val="0"/>
+              </a:ext>
+            </a:extLst>
+          </a:blip>
+          <a:stretch>
+            <a:fillRect/>
+          </a:stretch>
+        </p:blipFill>
+        <p:spPr>
+          <a:xfrm>
+            <a:off x="0" y="365125"/>
+            <a:ext cx="12192000" cy="6104586"/>
+          </a:xfrm>
+        </p:spPr>
+      </p:pic>
+    </p:spTree>
+    <p:extLst>
+      <p:ext uri="{BB962C8B-B14F-4D97-AF65-F5344CB8AC3E}">
+        <p14:creationId xmlns:p14="http://schemas.microsoft.com/office/powerpoint/2010/main" val="3200715551"/>
+      </p:ext>
+    </p:extLst>
+  </p:cSld>
+  <p:clrMapOvr>
+    <a:masterClrMapping/>
+  </p:clrMapOvr>
+</p:sld>
+</file>
+
+<file path=ppt/slides/slide5.xml><?xml version="1.0" encoding="utf-8"?>
+<p:sld xmlns:a="http://schemas.openxmlformats.org/drawingml/2006/main" xmlns:r="http://schemas.openxmlformats.org/officeDocument/2006/relationships" xmlns:p="http://schemas.openxmlformats.org/presentationml/2006/main">
+  <p:cSld>
+    <p:spTree>
+      <p:nvGrpSpPr>
+        <p:cNvPr id="1" name=""/>
+        <p:cNvGrpSpPr/>
+        <p:nvPr/>
+      </p:nvGrpSpPr>
+      <p:grpSpPr>
+        <a:xfrm>
+          <a:off x="0" y="0"/>
+          <a:ext cx="0" cy="0"/>
+          <a:chOff x="0" y="0"/>
+          <a:chExt cx="0" cy="0"/>
+        </a:xfrm>
+      </p:grpSpPr>
+      <p:sp>
+        <p:nvSpPr>
+          <p:cNvPr id="2" name="Title 1"/>
+          <p:cNvSpPr>
+            <a:spLocks noGrp="1"/>
+          </p:cNvSpPr>
+          <p:nvPr>
+            <p:ph type="title"/>
+          </p:nvPr>
+        </p:nvSpPr>
+        <p:spPr/>
+        <p:txBody>
+          <a:bodyPr/>
+          <a:lstStyle/>
+          <a:p>
             <a:pPr algn="ctr"/>
             <a:r>
               <a:rPr lang="en-US" b="1" dirty="0" err="1">
@@ -4244,84 +4322,6 @@
     <p:extLst>
       <p:ext uri="{BB962C8B-B14F-4D97-AF65-F5344CB8AC3E}">
         <p14:creationId xmlns:p14="http://schemas.microsoft.com/office/powerpoint/2010/main" val="4124559423"/>
-      </p:ext>
-    </p:extLst>
-  </p:cSld>
-  <p:clrMapOvr>
-    <a:masterClrMapping/>
-  </p:clrMapOvr>
-</p:sld>
-</file>
-
-<file path=ppt/slides/slide5.xml><?xml version="1.0" encoding="utf-8"?>
-<p:sld xmlns:a="http://schemas.openxmlformats.org/drawingml/2006/main" xmlns:r="http://schemas.openxmlformats.org/officeDocument/2006/relationships" xmlns:p="http://schemas.openxmlformats.org/presentationml/2006/main">
-  <p:cSld>
-    <p:spTree>
-      <p:nvGrpSpPr>
-        <p:cNvPr id="1" name=""/>
-        <p:cNvGrpSpPr/>
-        <p:nvPr/>
-      </p:nvGrpSpPr>
-      <p:grpSpPr>
-        <a:xfrm>
-          <a:off x="0" y="0"/>
-          <a:ext cx="0" cy="0"/>
-          <a:chOff x="0" y="0"/>
-          <a:chExt cx="0" cy="0"/>
-        </a:xfrm>
-      </p:grpSpPr>
-      <p:sp>
-        <p:nvSpPr>
-          <p:cNvPr id="2" name="Title 1"/>
-          <p:cNvSpPr>
-            <a:spLocks noGrp="1"/>
-          </p:cNvSpPr>
-          <p:nvPr>
-            <p:ph type="title"/>
-          </p:nvPr>
-        </p:nvSpPr>
-        <p:spPr/>
-        <p:txBody>
-          <a:bodyPr/>
-          <a:lstStyle/>
-          <a:p>
-            <a:endParaRPr lang="en-US"/>
-          </a:p>
-        </p:txBody>
-      </p:sp>
-      <p:pic>
-        <p:nvPicPr>
-          <p:cNvPr id="4" name="Content Placeholder 3"/>
-          <p:cNvPicPr>
-            <a:picLocks noGrp="1" noChangeAspect="1"/>
-          </p:cNvPicPr>
-          <p:nvPr>
-            <p:ph idx="1"/>
-          </p:nvPr>
-        </p:nvPicPr>
-        <p:blipFill>
-          <a:blip r:embed="rId2">
-            <a:extLst>
-              <a:ext uri="{28A0092B-C50C-407E-A947-70E740481C1C}">
-                <a14:useLocalDpi xmlns:a14="http://schemas.microsoft.com/office/drawing/2010/main" val="0"/>
-              </a:ext>
-            </a:extLst>
-          </a:blip>
-          <a:stretch>
-            <a:fillRect/>
-          </a:stretch>
-        </p:blipFill>
-        <p:spPr>
-          <a:xfrm>
-            <a:off x="0" y="365125"/>
-            <a:ext cx="12192000" cy="6104586"/>
-          </a:xfrm>
-        </p:spPr>
-      </p:pic>
-    </p:spTree>
-    <p:extLst>
-      <p:ext uri="{BB962C8B-B14F-4D97-AF65-F5344CB8AC3E}">
-        <p14:creationId xmlns:p14="http://schemas.microsoft.com/office/powerpoint/2010/main" val="3200715551"/>
       </p:ext>
     </p:extLst>
   </p:cSld>
